--- a/ETL Presentation.pptx
+++ b/ETL Presentation.pptx
@@ -6967,6 +6967,90 @@
 </p:notes>
 </file>
 
+<file path=ppt/notesSlides/notesSlide6.xml><?xml version="1.0" encoding="utf-8"?>
+<p:notes xmlns:a="http://schemas.openxmlformats.org/drawingml/2006/main" xmlns:r="http://schemas.openxmlformats.org/officeDocument/2006/relationships" xmlns:p="http://schemas.openxmlformats.org/presentationml/2006/main">
+  <p:cSld>
+    <p:spTree>
+      <p:nvGrpSpPr>
+        <p:cNvPr id="1" name=""/>
+        <p:cNvGrpSpPr/>
+        <p:nvPr/>
+      </p:nvGrpSpPr>
+      <p:grpSpPr>
+        <a:xfrm>
+          <a:off x="0" y="0"/>
+          <a:ext cx="0" cy="0"/>
+          <a:chOff x="0" y="0"/>
+          <a:chExt cx="0" cy="0"/>
+        </a:xfrm>
+      </p:grpSpPr>
+      <p:sp>
+        <p:nvSpPr>
+          <p:cNvPr id="2" name="Slide Image Placeholder 1"/>
+          <p:cNvSpPr>
+            <a:spLocks noGrp="1" noRot="1" noChangeAspect="1"/>
+          </p:cNvSpPr>
+          <p:nvPr>
+            <p:ph type="sldImg"/>
+          </p:nvPr>
+        </p:nvSpPr>
+        <p:spPr/>
+      </p:sp>
+      <p:sp>
+        <p:nvSpPr>
+          <p:cNvPr id="3" name="Notes Placeholder 2"/>
+          <p:cNvSpPr>
+            <a:spLocks noGrp="1"/>
+          </p:cNvSpPr>
+          <p:nvPr>
+            <p:ph type="body" idx="1"/>
+          </p:nvPr>
+        </p:nvSpPr>
+        <p:spPr/>
+        <p:txBody>
+          <a:bodyPr/>
+          <a:lstStyle/>
+          <a:p>
+            <a:endParaRPr lang="en-US" dirty="0"/>
+          </a:p>
+        </p:txBody>
+      </p:sp>
+      <p:sp>
+        <p:nvSpPr>
+          <p:cNvPr id="4" name="Slide Number Placeholder 3"/>
+          <p:cNvSpPr>
+            <a:spLocks noGrp="1"/>
+          </p:cNvSpPr>
+          <p:nvPr>
+            <p:ph type="sldNum" sz="quarter" idx="5"/>
+          </p:nvPr>
+        </p:nvSpPr>
+        <p:spPr/>
+        <p:txBody>
+          <a:bodyPr/>
+          <a:lstStyle/>
+          <a:p>
+            <a:fld id="{7DFF8701-8D40-8F49-9199-F17236DEEF0B}" type="slidenum">
+              <a:rPr lang="en-US" smtClean="0"/>
+              <a:t>6</a:t>
+            </a:fld>
+            <a:endParaRPr lang="en-US"/>
+          </a:p>
+        </p:txBody>
+      </p:sp>
+    </p:spTree>
+    <p:extLst>
+      <p:ext uri="{BB962C8B-B14F-4D97-AF65-F5344CB8AC3E}">
+        <p14:creationId xmlns:p14="http://schemas.microsoft.com/office/powerpoint/2010/main" val="1176224904"/>
+      </p:ext>
+    </p:extLst>
+  </p:cSld>
+  <p:clrMapOvr>
+    <a:masterClrMapping/>
+  </p:clrMapOvr>
+</p:notes>
+</file>
+
 <file path=ppt/slideLayouts/slideLayout1.xml><?xml version="1.0" encoding="utf-8"?>
 <p:sldLayout xmlns:a="http://schemas.openxmlformats.org/drawingml/2006/main" xmlns:r="http://schemas.openxmlformats.org/officeDocument/2006/relationships" xmlns:p="http://schemas.openxmlformats.org/presentationml/2006/main" showMasterSp="0" type="title" preserve="1">
   <p:cSld name="Title Slide">
@@ -13438,45 +13522,47 @@
         </p:nvSpPr>
         <p:spPr/>
         <p:txBody>
-          <a:bodyPr/>
+          <a:bodyPr>
+            <a:normAutofit lnSpcReduction="10000"/>
+          </a:bodyPr>
           <a:lstStyle/>
           <a:p>
             <a:r>
-              <a:rPr lang="en-US" dirty="0" err="1"/>
+              <a:rPr lang="en-US" sz="2400" dirty="0" err="1"/>
               <a:t>urls</a:t>
             </a:r>
             <a:r>
-              <a:rPr lang="en-US" dirty="0"/>
+              <a:rPr lang="en-US" sz="2400" dirty="0"/>
               <a:t> needed for web scraping and API pulls required significant data transformation</a:t>
             </a:r>
           </a:p>
           <a:p>
             <a:r>
-              <a:rPr lang="en-US" dirty="0"/>
+              <a:rPr lang="en-US" sz="2400" dirty="0"/>
               <a:t>Movie titles are formatted differently between the data sources </a:t>
             </a:r>
           </a:p>
           <a:p>
             <a:pPr lvl="1"/>
             <a:r>
-              <a:rPr lang="en-US" dirty="0"/>
+              <a:rPr lang="en-US" sz="2000" dirty="0"/>
               <a:t>Addams Family, The vs The Addams family</a:t>
             </a:r>
           </a:p>
           <a:p>
             <a:r>
-              <a:rPr lang="en-US" dirty="0"/>
+              <a:rPr lang="en-US" sz="2400" dirty="0"/>
               <a:t>Incomplete data – review scores missing</a:t>
             </a:r>
           </a:p>
           <a:p>
             <a:r>
-              <a:rPr lang="en-US" dirty="0"/>
+              <a:rPr lang="en-US" sz="2400" dirty="0"/>
               <a:t>Scripts contain stage directions which may contain words not heard on screen but included in the word count</a:t>
             </a:r>
           </a:p>
           <a:p>
-            <a:endParaRPr lang="en-US" dirty="0"/>
+            <a:endParaRPr lang="en-US" sz="2400" dirty="0"/>
           </a:p>
         </p:txBody>
       </p:sp>
@@ -13538,28 +13624,118 @@
           </a:p>
         </p:txBody>
       </p:sp>
-      <p:sp>
-        <p:nvSpPr>
-          <p:cNvPr id="3" name="Content Placeholder 2">
+      <p:pic>
+        <p:nvPicPr>
+          <p:cNvPr id="7" name="Content Placeholder 6">
             <a:extLst>
               <a:ext uri="{FF2B5EF4-FFF2-40B4-BE49-F238E27FC236}">
-                <a16:creationId xmlns:a16="http://schemas.microsoft.com/office/drawing/2014/main" id="{90067C16-EFE9-CC47-B92C-EEBF731C1F50}"/>
+                <a16:creationId xmlns:a16="http://schemas.microsoft.com/office/drawing/2014/main" id="{DD814D66-63CC-6D43-AA6E-ECE81561A20B}"/>
               </a:ext>
             </a:extLst>
           </p:cNvPr>
-          <p:cNvSpPr>
-            <a:spLocks noGrp="1"/>
-          </p:cNvSpPr>
+          <p:cNvPicPr>
+            <a:picLocks noGrp="1" noChangeAspect="1"/>
+          </p:cNvPicPr>
           <p:nvPr>
             <p:ph sz="quarter" idx="13"/>
           </p:nvPr>
-        </p:nvSpPr>
-        <p:spPr/>
+        </p:nvPicPr>
+        <p:blipFill>
+          <a:blip r:embed="rId3"/>
+          <a:stretch>
+            <a:fillRect/>
+          </a:stretch>
+        </p:blipFill>
+        <p:spPr>
+          <a:xfrm>
+            <a:off x="746125" y="2063750"/>
+            <a:ext cx="4967287" cy="3311525"/>
+          </a:xfrm>
+        </p:spPr>
+      </p:pic>
+      <p:pic>
+        <p:nvPicPr>
+          <p:cNvPr id="9" name="Content Placeholder 8">
+            <a:extLst>
+              <a:ext uri="{FF2B5EF4-FFF2-40B4-BE49-F238E27FC236}">
+                <a16:creationId xmlns:a16="http://schemas.microsoft.com/office/drawing/2014/main" id="{8A25CA96-5A0E-DF47-838F-4A269B6B2EA5}"/>
+              </a:ext>
+            </a:extLst>
+          </p:cNvPr>
+          <p:cNvPicPr>
+            <a:picLocks noGrp="1" noChangeAspect="1"/>
+          </p:cNvPicPr>
+          <p:nvPr>
+            <p:ph sz="quarter" idx="14"/>
+          </p:nvPr>
+        </p:nvPicPr>
+        <p:blipFill>
+          <a:blip r:embed="rId4"/>
+          <a:stretch>
+            <a:fillRect/>
+          </a:stretch>
+        </p:blipFill>
+        <p:spPr>
+          <a:xfrm>
+            <a:off x="6053931" y="2063750"/>
+            <a:ext cx="4967287" cy="3311525"/>
+          </a:xfrm>
+        </p:spPr>
+      </p:pic>
+      <p:sp>
+        <p:nvSpPr>
+          <p:cNvPr id="10" name="Rounded Rectangle 9">
+            <a:extLst>
+              <a:ext uri="{FF2B5EF4-FFF2-40B4-BE49-F238E27FC236}">
+                <a16:creationId xmlns:a16="http://schemas.microsoft.com/office/drawing/2014/main" id="{D2EF3B1E-4248-8E4F-BBF6-E420A961BC99}"/>
+              </a:ext>
+            </a:extLst>
+          </p:cNvPr>
+          <p:cNvSpPr/>
+          <p:nvPr/>
+        </p:nvSpPr>
+        <p:spPr>
+          <a:xfrm>
+            <a:off x="8691112" y="5375275"/>
+            <a:ext cx="2811773" cy="970010"/>
+          </a:xfrm>
+          <a:prstGeom prst="roundRect">
+            <a:avLst/>
+          </a:prstGeom>
+        </p:spPr>
+        <p:style>
+          <a:lnRef idx="2">
+            <a:schemeClr val="accent1">
+              <a:shade val="50000"/>
+            </a:schemeClr>
+          </a:lnRef>
+          <a:fillRef idx="1">
+            <a:schemeClr val="accent1"/>
+          </a:fillRef>
+          <a:effectRef idx="0">
+            <a:schemeClr val="accent1"/>
+          </a:effectRef>
+          <a:fontRef idx="minor">
+            <a:schemeClr val="lt1"/>
+          </a:fontRef>
+        </p:style>
         <p:txBody>
-          <a:bodyPr/>
+          <a:bodyPr rtlCol="0" anchor="ctr"/>
           <a:lstStyle/>
           <a:p>
-            <a:endParaRPr lang="en-US"/>
+            <a:pPr algn="ctr"/>
+            <a:endParaRPr lang="en-US" dirty="0"/>
+          </a:p>
+          <a:p>
+            <a:pPr algn="ctr"/>
+            <a:r>
+              <a:rPr lang="en-US" dirty="0"/>
+              <a:t>In 1968 the MPAA creates a voluntary rating system</a:t>
+            </a:r>
+          </a:p>
+          <a:p>
+            <a:pPr algn="ctr"/>
+            <a:endParaRPr lang="en-US" dirty="0"/>
           </a:p>
         </p:txBody>
       </p:sp>
@@ -13639,10 +13815,35 @@
         </p:nvSpPr>
         <p:spPr/>
         <p:txBody>
-          <a:bodyPr/>
+          <a:bodyPr>
+            <a:normAutofit/>
+          </a:bodyPr>
           <a:lstStyle/>
           <a:p>
-            <a:endParaRPr lang="en-US" dirty="0"/>
+            <a:r>
+              <a:rPr lang="en-US" sz="2800" dirty="0"/>
+              <a:t>Films with higher ratings tend to have between 0-50 bad words</a:t>
+            </a:r>
+          </a:p>
+          <a:p>
+            <a:pPr lvl="1"/>
+            <a:r>
+              <a:rPr lang="en-US" sz="2400" dirty="0"/>
+              <a:t>This implies that there is a threshold for the amount of bad words that audiences will tolerate</a:t>
+            </a:r>
+          </a:p>
+          <a:p>
+            <a:r>
+              <a:rPr lang="en-US" sz="2800" dirty="0"/>
+              <a:t>There has also been a trend to more bad words in films since 1968</a:t>
+            </a:r>
+          </a:p>
+          <a:p>
+            <a:pPr lvl="1"/>
+            <a:r>
+              <a:rPr lang="en-US" sz="2400" dirty="0"/>
+              <a:t>The amount has leveled off since the 2000s</a:t>
+            </a:r>
           </a:p>
         </p:txBody>
       </p:sp>
@@ -13722,29 +13923,31 @@
         </p:nvSpPr>
         <p:spPr/>
         <p:txBody>
-          <a:bodyPr/>
+          <a:bodyPr>
+            <a:normAutofit/>
+          </a:bodyPr>
           <a:lstStyle/>
           <a:p>
             <a:r>
-              <a:rPr lang="en-US" dirty="0"/>
+              <a:rPr lang="en-US" sz="2800" dirty="0"/>
               <a:t>Scrape multiple review websites for more robust data</a:t>
             </a:r>
           </a:p>
           <a:p>
             <a:r>
-              <a:rPr lang="en-US" dirty="0"/>
+              <a:rPr lang="en-US" sz="2800" dirty="0"/>
               <a:t>Compare the data by movie genre</a:t>
             </a:r>
           </a:p>
           <a:p>
             <a:r>
-              <a:rPr lang="en-US" dirty="0"/>
+              <a:rPr lang="en-US" sz="2800" dirty="0"/>
               <a:t>Weight the words – not all words are equal</a:t>
             </a:r>
           </a:p>
           <a:p>
             <a:r>
-              <a:rPr lang="en-US" dirty="0"/>
+              <a:rPr lang="en-US" sz="2800" dirty="0"/>
               <a:t>Add in more contextual cues</a:t>
             </a:r>
           </a:p>

--- a/ETL Presentation.pptx
+++ b/ETL Presentation.pptx
@@ -5,7 +5,7 @@
     <p:sldMasterId id="2147483648" r:id="rId1"/>
   </p:sldMasterIdLst>
   <p:notesMasterIdLst>
-    <p:notesMasterId r:id="rId10"/>
+    <p:notesMasterId r:id="rId12"/>
   </p:notesMasterIdLst>
   <p:sldIdLst>
     <p:sldId id="256" r:id="rId2"/>
@@ -14,8 +14,10 @@
     <p:sldId id="258" r:id="rId5"/>
     <p:sldId id="260" r:id="rId6"/>
     <p:sldId id="261" r:id="rId7"/>
-    <p:sldId id="262" r:id="rId8"/>
-    <p:sldId id="263" r:id="rId9"/>
+    <p:sldId id="264" r:id="rId8"/>
+    <p:sldId id="265" r:id="rId9"/>
+    <p:sldId id="262" r:id="rId10"/>
+    <p:sldId id="263" r:id="rId11"/>
   </p:sldIdLst>
   <p:sldSz cx="12192000" cy="6858000"/>
   <p:notesSz cx="6858000" cy="9144000"/>
@@ -1914,7 +1916,7 @@
       <dgm:spPr/>
     </dgm:pt>
     <dgm:pt modelId="{17630163-943A-564D-BF7E-16421869A099}" type="pres">
-      <dgm:prSet presAssocID="{F3DE3DAE-89E4-3E44-AA2F-1CFF45DC9AE2}" presName="rect1" presStyleLbl="bgImgPlace1" presStyleIdx="3" presStyleCnt="4"/>
+      <dgm:prSet presAssocID="{F3DE3DAE-89E4-3E44-AA2F-1CFF45DC9AE2}" presName="rect1" presStyleLbl="bgImgPlace1" presStyleIdx="3" presStyleCnt="4" custLinFactNeighborX="1468"/>
       <dgm:spPr>
         <a:blipFill>
           <a:blip xmlns:r="http://schemas.openxmlformats.org/officeDocument/2006/relationships" r:embed="rId4">
@@ -1970,7 +1972,7 @@
   <dgm:whole/>
   <dgm:extLst>
     <a:ext uri="http://schemas.microsoft.com/office/drawing/2008/diagram">
-      <dsp:dataModelExt xmlns:dsp="http://schemas.microsoft.com/office/drawing/2008/diagram" relId="rId7" minVer="http://schemas.openxmlformats.org/drawingml/2006/diagram"/>
+      <dsp:dataModelExt xmlns:dsp="http://schemas.microsoft.com/office/drawing/2008/diagram" relId="rId10" minVer="http://schemas.openxmlformats.org/drawingml/2006/diagram"/>
     </a:ext>
   </dgm:extLst>
 </dgm:dataModel>
@@ -2951,7 +2953,7 @@
       </dsp:nvSpPr>
       <dsp:spPr>
         <a:xfrm>
-          <a:off x="8364892" y="949644"/>
+          <a:off x="8388042" y="949644"/>
           <a:ext cx="1576973" cy="1326347"/>
         </a:xfrm>
         <a:prstGeom prst="rect">
@@ -6202,7 +6204,7 @@
           <a:p>
             <a:fld id="{45E5B5AC-6936-0940-883B-171B82BFE0F7}" type="datetimeFigureOut">
               <a:rPr lang="en-US" smtClean="0"/>
-              <a:t>1/19/19</a:t>
+              <a:t>1/19/2019</a:t>
             </a:fld>
             <a:endParaRPr lang="en-US"/>
           </a:p>
@@ -7032,7 +7034,7 @@
           <a:p>
             <a:fld id="{7DFF8701-8D40-8F49-9199-F17236DEEF0B}" type="slidenum">
               <a:rPr lang="en-US" smtClean="0"/>
-              <a:t>6</a:t>
+              <a:t>8</a:t>
             </a:fld>
             <a:endParaRPr lang="en-US"/>
           </a:p>
@@ -7041,7 +7043,178 @@
     </p:spTree>
     <p:extLst>
       <p:ext uri="{BB962C8B-B14F-4D97-AF65-F5344CB8AC3E}">
-        <p14:creationId xmlns:p14="http://schemas.microsoft.com/office/powerpoint/2010/main" val="1176224904"/>
+        <p14:creationId xmlns:p14="http://schemas.microsoft.com/office/powerpoint/2010/main" val="3371627387"/>
+      </p:ext>
+    </p:extLst>
+  </p:cSld>
+  <p:clrMapOvr>
+    <a:masterClrMapping/>
+  </p:clrMapOvr>
+</p:notes>
+</file>
+
+<file path=ppt/notesSlides/notesSlide7.xml><?xml version="1.0" encoding="utf-8"?>
+<p:notes xmlns:a="http://schemas.openxmlformats.org/drawingml/2006/main" xmlns:r="http://schemas.openxmlformats.org/officeDocument/2006/relationships" xmlns:p="http://schemas.openxmlformats.org/presentationml/2006/main">
+  <p:cSld>
+    <p:spTree>
+      <p:nvGrpSpPr>
+        <p:cNvPr id="1" name=""/>
+        <p:cNvGrpSpPr/>
+        <p:nvPr/>
+      </p:nvGrpSpPr>
+      <p:grpSpPr>
+        <a:xfrm>
+          <a:off x="0" y="0"/>
+          <a:ext cx="0" cy="0"/>
+          <a:chOff x="0" y="0"/>
+          <a:chExt cx="0" cy="0"/>
+        </a:xfrm>
+      </p:grpSpPr>
+      <p:sp>
+        <p:nvSpPr>
+          <p:cNvPr id="2" name="Slide Image Placeholder 1"/>
+          <p:cNvSpPr>
+            <a:spLocks noGrp="1" noRot="1" noChangeAspect="1"/>
+          </p:cNvSpPr>
+          <p:nvPr>
+            <p:ph type="sldImg"/>
+          </p:nvPr>
+        </p:nvSpPr>
+        <p:spPr/>
+      </p:sp>
+      <p:sp>
+        <p:nvSpPr>
+          <p:cNvPr id="3" name="Notes Placeholder 2"/>
+          <p:cNvSpPr>
+            <a:spLocks noGrp="1"/>
+          </p:cNvSpPr>
+          <p:nvPr>
+            <p:ph type="body" idx="1"/>
+          </p:nvPr>
+        </p:nvSpPr>
+        <p:spPr/>
+        <p:txBody>
+          <a:bodyPr/>
+          <a:lstStyle/>
+          <a:p>
+            <a:r>
+              <a:rPr lang="en-US" dirty="0"/>
+              <a:t>Based on the available data and the limitations of this study. We did not find a strong correlation between bad words and movie ratings mainly because there are other factors that heavily impact a movie’s viewer rating which were not explored in this project - such as the story line, graphics, soundtrack, and the actors that portray characters in the movie.</a:t>
+            </a:r>
+          </a:p>
+        </p:txBody>
+      </p:sp>
+      <p:sp>
+        <p:nvSpPr>
+          <p:cNvPr id="4" name="Slide Number Placeholder 3"/>
+          <p:cNvSpPr>
+            <a:spLocks noGrp="1"/>
+          </p:cNvSpPr>
+          <p:nvPr>
+            <p:ph type="sldNum" sz="quarter" idx="5"/>
+          </p:nvPr>
+        </p:nvSpPr>
+        <p:spPr/>
+        <p:txBody>
+          <a:bodyPr/>
+          <a:lstStyle/>
+          <a:p>
+            <a:fld id="{7DFF8701-8D40-8F49-9199-F17236DEEF0B}" type="slidenum">
+              <a:rPr lang="en-US" smtClean="0"/>
+              <a:t>9</a:t>
+            </a:fld>
+            <a:endParaRPr lang="en-US"/>
+          </a:p>
+        </p:txBody>
+      </p:sp>
+    </p:spTree>
+    <p:extLst>
+      <p:ext uri="{BB962C8B-B14F-4D97-AF65-F5344CB8AC3E}">
+        <p14:creationId xmlns:p14="http://schemas.microsoft.com/office/powerpoint/2010/main" val="2912399468"/>
+      </p:ext>
+    </p:extLst>
+  </p:cSld>
+  <p:clrMapOvr>
+    <a:masterClrMapping/>
+  </p:clrMapOvr>
+</p:notes>
+</file>
+
+<file path=ppt/notesSlides/notesSlide8.xml><?xml version="1.0" encoding="utf-8"?>
+<p:notes xmlns:a="http://schemas.openxmlformats.org/drawingml/2006/main" xmlns:r="http://schemas.openxmlformats.org/officeDocument/2006/relationships" xmlns:p="http://schemas.openxmlformats.org/presentationml/2006/main">
+  <p:cSld>
+    <p:spTree>
+      <p:nvGrpSpPr>
+        <p:cNvPr id="1" name=""/>
+        <p:cNvGrpSpPr/>
+        <p:nvPr/>
+      </p:nvGrpSpPr>
+      <p:grpSpPr>
+        <a:xfrm>
+          <a:off x="0" y="0"/>
+          <a:ext cx="0" cy="0"/>
+          <a:chOff x="0" y="0"/>
+          <a:chExt cx="0" cy="0"/>
+        </a:xfrm>
+      </p:grpSpPr>
+      <p:sp>
+        <p:nvSpPr>
+          <p:cNvPr id="2" name="Slide Image Placeholder 1"/>
+          <p:cNvSpPr>
+            <a:spLocks noGrp="1" noRot="1" noChangeAspect="1"/>
+          </p:cNvSpPr>
+          <p:nvPr>
+            <p:ph type="sldImg"/>
+          </p:nvPr>
+        </p:nvSpPr>
+        <p:spPr/>
+      </p:sp>
+      <p:sp>
+        <p:nvSpPr>
+          <p:cNvPr id="3" name="Notes Placeholder 2"/>
+          <p:cNvSpPr>
+            <a:spLocks noGrp="1"/>
+          </p:cNvSpPr>
+          <p:nvPr>
+            <p:ph type="body" idx="1"/>
+          </p:nvPr>
+        </p:nvSpPr>
+        <p:spPr/>
+        <p:txBody>
+          <a:bodyPr/>
+          <a:lstStyle/>
+          <a:p>
+            <a:endParaRPr lang="en-US" dirty="0"/>
+          </a:p>
+        </p:txBody>
+      </p:sp>
+      <p:sp>
+        <p:nvSpPr>
+          <p:cNvPr id="4" name="Slide Number Placeholder 3"/>
+          <p:cNvSpPr>
+            <a:spLocks noGrp="1"/>
+          </p:cNvSpPr>
+          <p:nvPr>
+            <p:ph type="sldNum" sz="quarter" idx="5"/>
+          </p:nvPr>
+        </p:nvSpPr>
+        <p:spPr/>
+        <p:txBody>
+          <a:bodyPr/>
+          <a:lstStyle/>
+          <a:p>
+            <a:fld id="{7DFF8701-8D40-8F49-9199-F17236DEEF0B}" type="slidenum">
+              <a:rPr lang="en-US" smtClean="0"/>
+              <a:t>10</a:t>
+            </a:fld>
+            <a:endParaRPr lang="en-US"/>
+          </a:p>
+        </p:txBody>
+      </p:sp>
+    </p:spTree>
+    <p:extLst>
+      <p:ext uri="{BB962C8B-B14F-4D97-AF65-F5344CB8AC3E}">
+        <p14:creationId xmlns:p14="http://schemas.microsoft.com/office/powerpoint/2010/main" val="1098059121"/>
       </p:ext>
     </p:extLst>
   </p:cSld>
@@ -7504,7 +7677,7 @@
           <a:p>
             <a:fld id="{F7AFFB9B-9FB8-469E-96F9-4D32314110B6}" type="datetimeFigureOut">
               <a:rPr lang="en-US" dirty="0"/>
-              <a:t>1/19/19</a:t>
+              <a:t>1/19/2019</a:t>
             </a:fld>
             <a:endParaRPr lang="en-US" dirty="0"/>
           </a:p>
@@ -7832,7 +8005,7 @@
           <a:p>
             <a:fld id="{341D2AC3-6A0B-4169-B1EA-E3AE8B351BDD}" type="datetimeFigureOut">
               <a:rPr lang="en-US" dirty="0"/>
-              <a:t>1/19/19</a:t>
+              <a:t>1/19/2019</a:t>
             </a:fld>
             <a:endParaRPr lang="en-US" dirty="0"/>
           </a:p>
@@ -8023,7 +8196,7 @@
           <a:p>
             <a:fld id="{DD4B9363-8B87-41B7-9F8E-64519CBB8F34}" type="datetimeFigureOut">
               <a:rPr lang="en-US" dirty="0"/>
-              <a:t>1/19/19</a:t>
+              <a:t>1/19/2019</a:t>
             </a:fld>
             <a:endParaRPr lang="en-US" dirty="0"/>
           </a:p>
@@ -8288,7 +8461,7 @@
           <a:p>
             <a:fld id="{EAEF5746-5284-4951-9F37-7AE924EDBCB7}" type="datetimeFigureOut">
               <a:rPr lang="en-US" dirty="0"/>
-              <a:t>1/19/19</a:t>
+              <a:t>1/19/2019</a:t>
             </a:fld>
             <a:endParaRPr lang="en-US" dirty="0"/>
           </a:p>
@@ -8711,7 +8884,7 @@
           <a:p>
             <a:fld id="{02398B29-7265-4A65-A2A4-6703C057B7C1}" type="datetimeFigureOut">
               <a:rPr lang="en-US" dirty="0"/>
-              <a:t>1/19/19</a:t>
+              <a:t>1/19/2019</a:t>
             </a:fld>
             <a:endParaRPr lang="en-US" dirty="0"/>
           </a:p>
@@ -9256,7 +9429,7 @@
           <a:p>
             <a:fld id="{28FBA082-94DF-4C4B-A041-6624924AB0A8}" type="datetimeFigureOut">
               <a:rPr lang="en-US" dirty="0"/>
-              <a:t>1/19/19</a:t>
+              <a:t>1/19/2019</a:t>
             </a:fld>
             <a:endParaRPr lang="en-US" dirty="0"/>
           </a:p>
@@ -10041,7 +10214,7 @@
           <a:p>
             <a:fld id="{B27686C4-3AB5-4E0C-86CA-FB108C350AA9}" type="datetimeFigureOut">
               <a:rPr lang="en-US" dirty="0"/>
-              <a:t>1/19/19</a:t>
+              <a:t>1/19/2019</a:t>
             </a:fld>
             <a:endParaRPr lang="en-US" dirty="0"/>
           </a:p>
@@ -10215,7 +10388,7 @@
           <a:p>
             <a:fld id="{49FF1211-4E0C-4AB3-B04F-585959BDAFE8}" type="datetimeFigureOut">
               <a:rPr lang="en-US" dirty="0"/>
-              <a:t>1/19/19</a:t>
+              <a:t>1/19/2019</a:t>
             </a:fld>
             <a:endParaRPr lang="en-US" dirty="0"/>
           </a:p>
@@ -10394,7 +10567,7 @@
           <a:p>
             <a:fld id="{28BDECAF-D3BE-4069-9C78-642ECCD01477}" type="datetimeFigureOut">
               <a:rPr lang="en-US" dirty="0"/>
-              <a:t>1/19/19</a:t>
+              <a:t>1/19/2019</a:t>
             </a:fld>
             <a:endParaRPr lang="en-US" dirty="0"/>
           </a:p>
@@ -10564,7 +10737,7 @@
           <a:p>
             <a:fld id="{8EFBDC27-E420-4878-9EE6-7B9656D6442A}" type="datetimeFigureOut">
               <a:rPr lang="en-US" dirty="0"/>
-              <a:t>1/19/19</a:t>
+              <a:t>1/19/2019</a:t>
             </a:fld>
             <a:endParaRPr lang="en-US" dirty="0"/>
           </a:p>
@@ -10809,7 +10982,7 @@
           <a:p>
             <a:fld id="{0F7F47CF-67C9-420C-80A5-E2069FF0C2DF}" type="datetimeFigureOut">
               <a:rPr lang="en-US" dirty="0"/>
-              <a:t>1/19/19</a:t>
+              <a:t>1/19/2019</a:t>
             </a:fld>
             <a:endParaRPr lang="en-US" dirty="0"/>
           </a:p>
@@ -11041,7 +11214,7 @@
           <a:p>
             <a:fld id="{AE22DC73-F065-42F5-A9F2-D90B2E42A0B3}" type="datetimeFigureOut">
               <a:rPr lang="en-US" dirty="0"/>
-              <a:t>1/19/19</a:t>
+              <a:t>1/19/2019</a:t>
             </a:fld>
             <a:endParaRPr lang="en-US" dirty="0"/>
           </a:p>
@@ -11421,7 +11594,7 @@
           <a:p>
             <a:fld id="{76BEA702-9B29-41CC-9BCC-3DF8A0D379FE}" type="datetimeFigureOut">
               <a:rPr lang="en-US" dirty="0"/>
-              <a:t>1/19/19</a:t>
+              <a:t>1/19/2019</a:t>
             </a:fld>
             <a:endParaRPr lang="en-US" dirty="0"/>
           </a:p>
@@ -11534,7 +11707,7 @@
           <a:p>
             <a:fld id="{097649AC-CB8F-4FF1-9A34-5861C74DD0A7}" type="datetimeFigureOut">
               <a:rPr lang="en-US" dirty="0"/>
-              <a:t>1/19/19</a:t>
+              <a:t>1/19/2019</a:t>
             </a:fld>
             <a:endParaRPr lang="en-US" dirty="0"/>
           </a:p>
@@ -11624,7 +11797,7 @@
           <a:p>
             <a:fld id="{3EC5CECA-2D3A-4680-9B49-752200DE467C}" type="datetimeFigureOut">
               <a:rPr lang="en-US" dirty="0"/>
-              <a:t>1/19/19</a:t>
+              <a:t>1/19/2019</a:t>
             </a:fld>
             <a:endParaRPr lang="en-US" dirty="0"/>
           </a:p>
@@ -11872,7 +12045,7 @@
           <a:p>
             <a:fld id="{50C3BFE2-83B7-4B0A-B9D3-AB28331082B3}" type="datetimeFigureOut">
               <a:rPr lang="en-US" dirty="0"/>
-              <a:t>1/19/19</a:t>
+              <a:t>1/19/2019</a:t>
             </a:fld>
             <a:endParaRPr lang="en-US" dirty="0"/>
           </a:p>
@@ -12136,7 +12309,7 @@
           <a:p>
             <a:fld id="{12EF78E3-FDA3-4D28-AAA2-0B81F349A39D}" type="datetimeFigureOut">
               <a:rPr lang="en-US" dirty="0"/>
-              <a:t>1/19/19</a:t>
+              <a:t>1/19/2019</a:t>
             </a:fld>
             <a:endParaRPr lang="en-US" dirty="0"/>
           </a:p>
@@ -12534,7 +12707,7 @@
           <a:p>
             <a:fld id="{C35BB1C6-BF8F-4481-8AB2-603A1C8A906A}" type="datetimeFigureOut">
               <a:rPr lang="en-US" dirty="0"/>
-              <a:t>1/19/19</a:t>
+              <a:t>1/19/2019</a:t>
             </a:fld>
             <a:endParaRPr lang="en-US" dirty="0"/>
           </a:p>
@@ -13044,10 +13217,155 @@
           </a:p>
         </p:txBody>
       </p:sp>
+      <p:pic>
+        <p:nvPicPr>
+          <p:cNvPr id="5" name="Picture 4">
+            <a:extLst>
+              <a:ext uri="{FF2B5EF4-FFF2-40B4-BE49-F238E27FC236}">
+                <a16:creationId xmlns:a16="http://schemas.microsoft.com/office/drawing/2014/main" id="{9802CFEB-E6BA-4829-B103-414FBE546AF6}"/>
+              </a:ext>
+            </a:extLst>
+          </p:cNvPr>
+          <p:cNvPicPr>
+            <a:picLocks noChangeAspect="1"/>
+          </p:cNvPicPr>
+          <p:nvPr/>
+        </p:nvPicPr>
+        <p:blipFill>
+          <a:blip r:embed="rId3">
+            <a:extLst>
+              <a:ext uri="{837473B0-CC2E-450A-ABE3-18F120FF3D39}">
+                <a1611:picAttrSrcUrl xmlns:a1611="http://schemas.microsoft.com/office/drawing/2016/11/main" r:id="rId4"/>
+              </a:ext>
+            </a:extLst>
+          </a:blip>
+          <a:stretch>
+            <a:fillRect/>
+          </a:stretch>
+        </p:blipFill>
+        <p:spPr>
+          <a:xfrm rot="622460">
+            <a:off x="773817" y="974359"/>
+            <a:ext cx="3987316" cy="3110983"/>
+          </a:xfrm>
+          <a:prstGeom prst="rect">
+            <a:avLst/>
+          </a:prstGeom>
+        </p:spPr>
+      </p:pic>
     </p:spTree>
     <p:extLst>
       <p:ext uri="{BB962C8B-B14F-4D97-AF65-F5344CB8AC3E}">
         <p14:creationId xmlns:p14="http://schemas.microsoft.com/office/powerpoint/2010/main" val="413564136"/>
+      </p:ext>
+    </p:extLst>
+  </p:cSld>
+  <p:clrMapOvr>
+    <a:masterClrMapping/>
+  </p:clrMapOvr>
+</p:sld>
+</file>
+
+<file path=ppt/slides/slide10.xml><?xml version="1.0" encoding="utf-8"?>
+<p:sld xmlns:a="http://schemas.openxmlformats.org/drawingml/2006/main" xmlns:r="http://schemas.openxmlformats.org/officeDocument/2006/relationships" xmlns:p="http://schemas.openxmlformats.org/presentationml/2006/main">
+  <p:cSld>
+    <p:spTree>
+      <p:nvGrpSpPr>
+        <p:cNvPr id="1" name=""/>
+        <p:cNvGrpSpPr/>
+        <p:nvPr/>
+      </p:nvGrpSpPr>
+      <p:grpSpPr>
+        <a:xfrm>
+          <a:off x="0" y="0"/>
+          <a:ext cx="0" cy="0"/>
+          <a:chOff x="0" y="0"/>
+          <a:chExt cx="0" cy="0"/>
+        </a:xfrm>
+      </p:grpSpPr>
+      <p:sp>
+        <p:nvSpPr>
+          <p:cNvPr id="2" name="Title 1">
+            <a:extLst>
+              <a:ext uri="{FF2B5EF4-FFF2-40B4-BE49-F238E27FC236}">
+                <a16:creationId xmlns:a16="http://schemas.microsoft.com/office/drawing/2014/main" id="{F527DF43-DAC4-354C-A041-5FB7AD460909}"/>
+              </a:ext>
+            </a:extLst>
+          </p:cNvPr>
+          <p:cNvSpPr>
+            <a:spLocks noGrp="1"/>
+          </p:cNvSpPr>
+          <p:nvPr>
+            <p:ph type="title"/>
+          </p:nvPr>
+        </p:nvSpPr>
+        <p:spPr/>
+        <p:txBody>
+          <a:bodyPr/>
+          <a:lstStyle/>
+          <a:p>
+            <a:r>
+              <a:rPr lang="en-US" dirty="0"/>
+              <a:t>Critique </a:t>
+            </a:r>
+            <a:r>
+              <a:rPr lang="en-US" sz="3600" dirty="0"/>
+              <a:t>(Improvement ideas)</a:t>
+            </a:r>
+            <a:endParaRPr lang="en-US" dirty="0"/>
+          </a:p>
+        </p:txBody>
+      </p:sp>
+      <p:sp>
+        <p:nvSpPr>
+          <p:cNvPr id="3" name="Content Placeholder 2">
+            <a:extLst>
+              <a:ext uri="{FF2B5EF4-FFF2-40B4-BE49-F238E27FC236}">
+                <a16:creationId xmlns:a16="http://schemas.microsoft.com/office/drawing/2014/main" id="{CAC75839-1AEE-BB4B-B9B6-E2D7A2720374}"/>
+              </a:ext>
+            </a:extLst>
+          </p:cNvPr>
+          <p:cNvSpPr>
+            <a:spLocks noGrp="1"/>
+          </p:cNvSpPr>
+          <p:nvPr>
+            <p:ph sz="quarter" idx="13"/>
+          </p:nvPr>
+        </p:nvSpPr>
+        <p:spPr/>
+        <p:txBody>
+          <a:bodyPr/>
+          <a:lstStyle/>
+          <a:p>
+            <a:r>
+              <a:rPr lang="en-US" dirty="0"/>
+              <a:t>Scrape multiple review websites for more robust data</a:t>
+            </a:r>
+          </a:p>
+          <a:p>
+            <a:r>
+              <a:rPr lang="en-US" dirty="0"/>
+              <a:t>Compare the data by movie genre</a:t>
+            </a:r>
+          </a:p>
+          <a:p>
+            <a:r>
+              <a:rPr lang="en-US" dirty="0"/>
+              <a:t>Weight the words – not all words are equal</a:t>
+            </a:r>
+          </a:p>
+          <a:p>
+            <a:r>
+              <a:rPr lang="en-US" dirty="0"/>
+              <a:t>Add in more contextual cues</a:t>
+            </a:r>
+          </a:p>
+        </p:txBody>
+      </p:sp>
+    </p:spTree>
+    <p:extLst>
+      <p:ext uri="{BB962C8B-B14F-4D97-AF65-F5344CB8AC3E}">
+        <p14:creationId xmlns:p14="http://schemas.microsoft.com/office/powerpoint/2010/main" val="242232729"/>
       </p:ext>
     </p:extLst>
   </p:cSld>
@@ -13097,8 +13415,13 @@
           <a:p>
             <a:r>
               <a:rPr lang="en-US" dirty="0"/>
-              <a:t>Problem Statement</a:t>
-            </a:r>
+              <a:t>PLOT </a:t>
+            </a:r>
+            <a:r>
+              <a:rPr lang="en-US" sz="3600" dirty="0"/>
+              <a:t>(Problem Statement)</a:t>
+            </a:r>
+            <a:endParaRPr lang="en-US" dirty="0"/>
           </a:p>
         </p:txBody>
       </p:sp>
@@ -13202,6 +13525,59 @@
           <a:chExt cx="0" cy="0"/>
         </a:xfrm>
       </p:grpSpPr>
+      <p:pic>
+        <p:nvPicPr>
+          <p:cNvPr id="10" name="Picture 9">
+            <a:extLst>
+              <a:ext uri="{FF2B5EF4-FFF2-40B4-BE49-F238E27FC236}">
+                <a16:creationId xmlns:a16="http://schemas.microsoft.com/office/drawing/2014/main" id="{70CF6217-D0E8-403D-8D5E-A050CC24FFAD}"/>
+              </a:ext>
+            </a:extLst>
+          </p:cNvPr>
+          <p:cNvPicPr>
+            <a:picLocks noChangeAspect="1"/>
+          </p:cNvPicPr>
+          <p:nvPr/>
+        </p:nvPicPr>
+        <p:blipFill>
+          <a:blip r:embed="rId3">
+            <a:extLst>
+              <a:ext uri="{BEBA8EAE-BF5A-486C-A8C5-ECC9F3942E4B}">
+                <a14:imgProps xmlns:a14="http://schemas.microsoft.com/office/drawing/2010/main">
+                  <a14:imgLayer r:embed="rId4">
+                    <a14:imgEffect>
+                      <a14:saturation sat="95000"/>
+                    </a14:imgEffect>
+                  </a14:imgLayer>
+                </a14:imgProps>
+              </a:ext>
+              <a:ext uri="{837473B0-CC2E-450A-ABE3-18F120FF3D39}">
+                <a1611:picAttrSrcUrl xmlns:a1611="http://schemas.microsoft.com/office/drawing/2016/11/main" r:id="rId5"/>
+              </a:ext>
+            </a:extLst>
+          </a:blip>
+          <a:stretch>
+            <a:fillRect/>
+          </a:stretch>
+        </p:blipFill>
+        <p:spPr>
+          <a:xfrm rot="20834622">
+            <a:off x="3743072" y="607203"/>
+            <a:ext cx="1344310" cy="1679491"/>
+          </a:xfrm>
+          <a:prstGeom prst="rect">
+            <a:avLst/>
+          </a:prstGeom>
+          <a:effectLst>
+            <a:glow rad="127000">
+              <a:schemeClr val="accent1">
+                <a:alpha val="0"/>
+              </a:schemeClr>
+            </a:glow>
+            <a:softEdge rad="63500"/>
+          </a:effectLst>
+        </p:spPr>
+      </p:pic>
       <p:sp>
         <p:nvSpPr>
           <p:cNvPr id="2" name="Title 1">
@@ -13225,7 +13601,7 @@
           <a:p>
             <a:r>
               <a:rPr lang="en-US" dirty="0"/>
-              <a:t>Team members</a:t>
+              <a:t>THE CREW</a:t>
             </a:r>
           </a:p>
         </p:txBody>
@@ -13246,7 +13622,7 @@
             <p:ph sz="quarter" idx="13"/>
             <p:extLst>
               <p:ext uri="{D42A27DB-BD31-4B8C-83A1-F6EECF244321}">
-                <p14:modId xmlns:p14="http://schemas.microsoft.com/office/powerpoint/2010/main" val="3370525481"/>
+                <p14:modId xmlns:p14="http://schemas.microsoft.com/office/powerpoint/2010/main" val="2765012039"/>
               </p:ext>
             </p:extLst>
           </p:nvPr>
@@ -13257,7 +13633,7 @@
         </p:xfrm>
         <a:graphic>
           <a:graphicData uri="http://schemas.openxmlformats.org/drawingml/2006/diagram">
-            <dgm:relIds xmlns:dgm="http://schemas.openxmlformats.org/drawingml/2006/diagram" xmlns:r="http://schemas.openxmlformats.org/officeDocument/2006/relationships" r:dm="rId3" r:lo="rId4" r:qs="rId5" r:cs="rId6"/>
+            <dgm:relIds xmlns:dgm="http://schemas.openxmlformats.org/drawingml/2006/diagram" xmlns:r="http://schemas.openxmlformats.org/officeDocument/2006/relationships" r:dm="rId6" r:lo="rId7" r:qs="rId8" r:cs="rId9"/>
           </a:graphicData>
         </a:graphic>
       </p:graphicFrame>
@@ -13314,8 +13690,13 @@
           <a:p>
             <a:r>
               <a:rPr lang="en-US" dirty="0"/>
-              <a:t>Data sources</a:t>
-            </a:r>
+              <a:t>SPONSORS </a:t>
+            </a:r>
+            <a:r>
+              <a:rPr lang="en-US" sz="4000" dirty="0"/>
+              <a:t>(Data sources)</a:t>
+            </a:r>
+            <a:endParaRPr lang="en-US" dirty="0"/>
           </a:p>
         </p:txBody>
       </p:sp>
@@ -13499,7 +13880,15 @@
           <a:p>
             <a:r>
               <a:rPr lang="en-US" dirty="0"/>
-              <a:t>Challenges </a:t>
+              <a:t>OUTTAKES </a:t>
+            </a:r>
+            <a:r>
+              <a:rPr lang="en-US" sz="3600" dirty="0"/>
+              <a:t>(CHALLENGES)</a:t>
+            </a:r>
+            <a:r>
+              <a:rPr lang="en-US" dirty="0"/>
+              <a:t> </a:t>
             </a:r>
           </a:p>
         </p:txBody>
@@ -13522,47 +13911,45 @@
         </p:nvSpPr>
         <p:spPr/>
         <p:txBody>
-          <a:bodyPr>
-            <a:normAutofit lnSpcReduction="10000"/>
-          </a:bodyPr>
+          <a:bodyPr/>
           <a:lstStyle/>
           <a:p>
             <a:r>
-              <a:rPr lang="en-US" sz="2400" dirty="0" err="1"/>
+              <a:rPr lang="en-US" dirty="0" err="1"/>
               <a:t>urls</a:t>
             </a:r>
             <a:r>
-              <a:rPr lang="en-US" sz="2400" dirty="0"/>
+              <a:rPr lang="en-US" dirty="0"/>
               <a:t> needed for web scraping and API pulls required significant data transformation</a:t>
             </a:r>
           </a:p>
           <a:p>
             <a:r>
-              <a:rPr lang="en-US" sz="2400" dirty="0"/>
+              <a:rPr lang="en-US" dirty="0"/>
               <a:t>Movie titles are formatted differently between the data sources </a:t>
             </a:r>
           </a:p>
           <a:p>
             <a:pPr lvl="1"/>
             <a:r>
-              <a:rPr lang="en-US" sz="2000" dirty="0"/>
+              <a:rPr lang="en-US" dirty="0"/>
               <a:t>Addams Family, The vs The Addams family</a:t>
             </a:r>
           </a:p>
           <a:p>
             <a:r>
-              <a:rPr lang="en-US" sz="2400" dirty="0"/>
+              <a:rPr lang="en-US" dirty="0"/>
               <a:t>Incomplete data – review scores missing</a:t>
             </a:r>
           </a:p>
           <a:p>
             <a:r>
-              <a:rPr lang="en-US" sz="2400" dirty="0"/>
+              <a:rPr lang="en-US" dirty="0"/>
               <a:t>Scripts contain stage directions which may contain words not heard on screen but included in the word count</a:t>
             </a:r>
           </a:p>
           <a:p>
-            <a:endParaRPr lang="en-US" sz="2400" dirty="0"/>
+            <a:endParaRPr lang="en-US" dirty="0"/>
           </a:p>
         </p:txBody>
       </p:sp>
@@ -13619,17 +14006,21 @@
           <a:p>
             <a:r>
               <a:rPr lang="en-US" dirty="0"/>
-              <a:t>visualizations</a:t>
+              <a:t>REEL CLIPS </a:t>
+            </a:r>
+            <a:r>
+              <a:rPr lang="en-US" sz="3600" dirty="0"/>
+              <a:t>(data visualization) </a:t>
             </a:r>
           </a:p>
         </p:txBody>
       </p:sp>
       <p:pic>
         <p:nvPicPr>
-          <p:cNvPr id="7" name="Content Placeholder 6">
+          <p:cNvPr id="5" name="Content Placeholder 4">
             <a:extLst>
               <a:ext uri="{FF2B5EF4-FFF2-40B4-BE49-F238E27FC236}">
-                <a16:creationId xmlns:a16="http://schemas.microsoft.com/office/drawing/2014/main" id="{DD814D66-63CC-6D43-AA6E-ECE81561A20B}"/>
+                <a16:creationId xmlns:a16="http://schemas.microsoft.com/office/drawing/2014/main" id="{8ED2D3A8-A391-4E76-9F9B-8995D163B54E}"/>
               </a:ext>
             </a:extLst>
           </p:cNvPr>
@@ -13641,101 +14032,81 @@
           </p:nvPr>
         </p:nvPicPr>
         <p:blipFill>
-          <a:blip r:embed="rId3"/>
+          <a:blip r:embed="rId2"/>
           <a:stretch>
             <a:fillRect/>
           </a:stretch>
         </p:blipFill>
         <p:spPr>
           <a:xfrm>
-            <a:off x="746125" y="2063750"/>
+            <a:off x="735806" y="1837765"/>
             <a:ext cx="4967287" cy="3311525"/>
           </a:xfrm>
         </p:spPr>
       </p:pic>
-      <p:pic>
-        <p:nvPicPr>
-          <p:cNvPr id="9" name="Content Placeholder 8">
+      <p:sp>
+        <p:nvSpPr>
+          <p:cNvPr id="6" name="TextBox 5">
             <a:extLst>
               <a:ext uri="{FF2B5EF4-FFF2-40B4-BE49-F238E27FC236}">
-                <a16:creationId xmlns:a16="http://schemas.microsoft.com/office/drawing/2014/main" id="{8A25CA96-5A0E-DF47-838F-4A269B6B2EA5}"/>
+                <a16:creationId xmlns:a16="http://schemas.microsoft.com/office/drawing/2014/main" id="{F9A446D9-D5F8-4F3E-A8CC-DAF6DD51A28B}"/>
               </a:ext>
             </a:extLst>
           </p:cNvPr>
-          <p:cNvPicPr>
-            <a:picLocks noGrp="1" noChangeAspect="1"/>
-          </p:cNvPicPr>
-          <p:nvPr>
-            <p:ph sz="quarter" idx="14"/>
-          </p:nvPr>
-        </p:nvPicPr>
-        <p:blipFill>
-          <a:blip r:embed="rId4"/>
-          <a:stretch>
-            <a:fillRect/>
-          </a:stretch>
-        </p:blipFill>
+          <p:cNvSpPr txBox="1"/>
+          <p:nvPr/>
+        </p:nvSpPr>
         <p:spPr>
           <a:xfrm>
-            <a:off x="6053931" y="2063750"/>
-            <a:ext cx="4967287" cy="3311525"/>
+            <a:off x="6227179" y="1944547"/>
+            <a:ext cx="4967287" cy="2862322"/>
           </a:xfrm>
-        </p:spPr>
-      </p:pic>
-      <p:sp>
-        <p:nvSpPr>
-          <p:cNvPr id="10" name="Rounded Rectangle 9">
-            <a:extLst>
-              <a:ext uri="{FF2B5EF4-FFF2-40B4-BE49-F238E27FC236}">
-                <a16:creationId xmlns:a16="http://schemas.microsoft.com/office/drawing/2014/main" id="{D2EF3B1E-4248-8E4F-BBF6-E420A961BC99}"/>
-              </a:ext>
-            </a:extLst>
-          </p:cNvPr>
-          <p:cNvSpPr/>
-          <p:nvPr/>
-        </p:nvSpPr>
-        <p:spPr>
-          <a:xfrm>
-            <a:off x="8691112" y="5375275"/>
-            <a:ext cx="2811773" cy="970010"/>
-          </a:xfrm>
-          <a:prstGeom prst="roundRect">
+          <a:prstGeom prst="rect">
             <a:avLst/>
           </a:prstGeom>
+          <a:noFill/>
         </p:spPr>
-        <p:style>
-          <a:lnRef idx="2">
-            <a:schemeClr val="accent1">
-              <a:shade val="50000"/>
-            </a:schemeClr>
-          </a:lnRef>
-          <a:fillRef idx="1">
-            <a:schemeClr val="accent1"/>
-          </a:fillRef>
-          <a:effectRef idx="0">
-            <a:schemeClr val="accent1"/>
-          </a:effectRef>
-          <a:fontRef idx="minor">
-            <a:schemeClr val="lt1"/>
-          </a:fontRef>
-        </p:style>
         <p:txBody>
-          <a:bodyPr rtlCol="0" anchor="ctr"/>
+          <a:bodyPr wrap="square" rtlCol="0">
+            <a:spAutoFit/>
+          </a:bodyPr>
           <a:lstStyle/>
           <a:p>
-            <a:pPr algn="ctr"/>
-            <a:endParaRPr lang="en-US" dirty="0"/>
-          </a:p>
-          <a:p>
-            <a:pPr algn="ctr"/>
-            <a:r>
-              <a:rPr lang="en-US" dirty="0"/>
-              <a:t>In 1968 the MPAA creates a voluntary rating system</a:t>
-            </a:r>
-          </a:p>
-          <a:p>
-            <a:pPr algn="ctr"/>
-            <a:endParaRPr lang="en-US" dirty="0"/>
+            <a:pPr marL="285750" indent="-285750">
+              <a:buFont typeface="Arial" panose="020B0604020202020204" pitchFamily="34" charset="0"/>
+              <a:buChar char="•"/>
+            </a:pPr>
+            <a:r>
+              <a:rPr lang="en-US" sz="2000" dirty="0"/>
+              <a:t>Movies with the highest bad word count have decent ratings ranging from 6.9 to 7.9 out of 10. </a:t>
+            </a:r>
+          </a:p>
+          <a:p>
+            <a:endParaRPr lang="en-US" sz="2000" dirty="0"/>
+          </a:p>
+          <a:p>
+            <a:pPr marL="285750" indent="-285750">
+              <a:buFont typeface="Arial" panose="020B0604020202020204" pitchFamily="34" charset="0"/>
+              <a:buChar char="•"/>
+            </a:pPr>
+            <a:r>
+              <a:rPr lang="en-US" sz="2000" dirty="0"/>
+              <a:t>Most of the movie ratings range between 5.5 to 8.6 with the total word count ranging 0 to 100 words.  </a:t>
+            </a:r>
+          </a:p>
+          <a:p>
+            <a:pPr marL="285750" indent="-285750">
+              <a:buFont typeface="Arial" panose="020B0604020202020204" pitchFamily="34" charset="0"/>
+              <a:buChar char="•"/>
+            </a:pPr>
+            <a:endParaRPr lang="en-US" sz="2000" dirty="0"/>
+          </a:p>
+          <a:p>
+            <a:pPr marL="285750" indent="-285750">
+              <a:buFont typeface="Arial" panose="020B0604020202020204" pitchFamily="34" charset="0"/>
+              <a:buChar char="•"/>
+            </a:pPr>
+            <a:endParaRPr lang="en-US" sz="2000" dirty="0"/>
           </a:p>
         </p:txBody>
       </p:sp>
@@ -13774,7 +14145,7 @@
           <p:cNvPr id="2" name="Title 1">
             <a:extLst>
               <a:ext uri="{FF2B5EF4-FFF2-40B4-BE49-F238E27FC236}">
-                <a16:creationId xmlns:a16="http://schemas.microsoft.com/office/drawing/2014/main" id="{AF4072F4-4F29-F046-92E8-EC682B64C411}"/>
+                <a16:creationId xmlns:a16="http://schemas.microsoft.com/office/drawing/2014/main" id="{0A250A72-763B-D341-800C-BEF8000F70A9}"/>
               </a:ext>
             </a:extLst>
           </p:cNvPr>
@@ -13792,65 +14163,263 @@
           <a:p>
             <a:r>
               <a:rPr lang="en-US" dirty="0"/>
-              <a:t>conclusion</a:t>
-            </a:r>
+              <a:t>REEL CLIPS </a:t>
+            </a:r>
+            <a:r>
+              <a:rPr lang="en-US" sz="3600" dirty="0"/>
+              <a:t>(data visualization)</a:t>
+            </a:r>
+            <a:r>
+              <a:rPr lang="en-US" sz="7200" dirty="0"/>
+              <a:t> </a:t>
+            </a:r>
+            <a:endParaRPr lang="en-US" dirty="0"/>
           </a:p>
         </p:txBody>
       </p:sp>
       <p:sp>
         <p:nvSpPr>
-          <p:cNvPr id="3" name="Content Placeholder 2">
+          <p:cNvPr id="6" name="TextBox 5">
             <a:extLst>
               <a:ext uri="{FF2B5EF4-FFF2-40B4-BE49-F238E27FC236}">
-                <a16:creationId xmlns:a16="http://schemas.microsoft.com/office/drawing/2014/main" id="{64312AC0-C501-304C-AF87-08BE1B67E778}"/>
+                <a16:creationId xmlns:a16="http://schemas.microsoft.com/office/drawing/2014/main" id="{F9A446D9-D5F8-4F3E-A8CC-DAF6DD51A28B}"/>
               </a:ext>
             </a:extLst>
           </p:cNvPr>
-          <p:cNvSpPr>
-            <a:spLocks noGrp="1"/>
-          </p:cNvSpPr>
-          <p:nvPr>
-            <p:ph sz="quarter" idx="13"/>
-          </p:nvPr>
-        </p:nvSpPr>
-        <p:spPr/>
+          <p:cNvSpPr txBox="1"/>
+          <p:nvPr/>
+        </p:nvSpPr>
+        <p:spPr>
+          <a:xfrm>
+            <a:off x="6227179" y="1944547"/>
+            <a:ext cx="4967287" cy="2246769"/>
+          </a:xfrm>
+          <a:prstGeom prst="rect">
+            <a:avLst/>
+          </a:prstGeom>
+          <a:noFill/>
+        </p:spPr>
         <p:txBody>
-          <a:bodyPr>
-            <a:normAutofit/>
+          <a:bodyPr wrap="square" rtlCol="0">
+            <a:spAutoFit/>
           </a:bodyPr>
           <a:lstStyle/>
           <a:p>
-            <a:r>
-              <a:rPr lang="en-US" sz="2800" dirty="0"/>
-              <a:t>Films with higher ratings tend to have between 0-50 bad words</a:t>
-            </a:r>
-          </a:p>
-          <a:p>
-            <a:pPr lvl="1"/>
-            <a:r>
-              <a:rPr lang="en-US" sz="2400" dirty="0"/>
-              <a:t>This implies that there is a threshold for the amount of bad words that audiences will tolerate</a:t>
-            </a:r>
-          </a:p>
-          <a:p>
-            <a:r>
-              <a:rPr lang="en-US" sz="2800" dirty="0"/>
-              <a:t>There has also been a trend to more bad words in films since 1968</a:t>
-            </a:r>
-          </a:p>
-          <a:p>
-            <a:pPr lvl="1"/>
-            <a:r>
-              <a:rPr lang="en-US" sz="2400" dirty="0"/>
-              <a:t>The amount has leveled off since the 2000s</a:t>
-            </a:r>
+            <a:pPr marL="285750" indent="-285750">
+              <a:buFont typeface="Arial" panose="020B0604020202020204" pitchFamily="34" charset="0"/>
+              <a:buChar char="•"/>
+            </a:pPr>
+            <a:r>
+              <a:rPr lang="en-US" sz="2000" dirty="0"/>
+              <a:t>The average bad words in movies ranged throughout the years </a:t>
+            </a:r>
+          </a:p>
+          <a:p>
+            <a:endParaRPr lang="en-US" sz="2000" dirty="0"/>
+          </a:p>
+          <a:p>
+            <a:pPr marL="285750" indent="-285750">
+              <a:buFont typeface="Arial" panose="020B0604020202020204" pitchFamily="34" charset="0"/>
+              <a:buChar char="•"/>
+            </a:pPr>
+            <a:r>
+              <a:rPr lang="en-US" sz="2000" dirty="0"/>
+              <a:t>Movies in the 1970’s had the highest average of bad words per movie at a mean of ~62 </a:t>
+            </a:r>
+          </a:p>
+          <a:p>
+            <a:pPr marL="285750" indent="-285750">
+              <a:buFont typeface="Arial" panose="020B0604020202020204" pitchFamily="34" charset="0"/>
+              <a:buChar char="•"/>
+            </a:pPr>
+            <a:endParaRPr lang="en-US" sz="2000" dirty="0"/>
+          </a:p>
+        </p:txBody>
+      </p:sp>
+      <p:pic>
+        <p:nvPicPr>
+          <p:cNvPr id="8" name="Content Placeholder 7">
+            <a:extLst>
+              <a:ext uri="{FF2B5EF4-FFF2-40B4-BE49-F238E27FC236}">
+                <a16:creationId xmlns:a16="http://schemas.microsoft.com/office/drawing/2014/main" id="{1C44688D-0878-4F98-B5CE-4C0F8BE9E7B6}"/>
+              </a:ext>
+            </a:extLst>
+          </p:cNvPr>
+          <p:cNvPicPr>
+            <a:picLocks noGrp="1" noChangeAspect="1"/>
+          </p:cNvPicPr>
+          <p:nvPr>
+            <p:ph sz="quarter" idx="13"/>
+          </p:nvPr>
+        </p:nvPicPr>
+        <p:blipFill>
+          <a:blip r:embed="rId2"/>
+          <a:stretch>
+            <a:fillRect/>
+          </a:stretch>
+        </p:blipFill>
+        <p:spPr>
+          <a:xfrm>
+            <a:off x="685801" y="1773237"/>
+            <a:ext cx="4967287" cy="3311525"/>
+          </a:xfrm>
+        </p:spPr>
+      </p:pic>
+      <p:sp>
+        <p:nvSpPr>
+          <p:cNvPr id="5" name="Rounded Rectangle 9">
+            <a:extLst>
+              <a:ext uri="{FF2B5EF4-FFF2-40B4-BE49-F238E27FC236}">
+                <a16:creationId xmlns:a16="http://schemas.microsoft.com/office/drawing/2014/main" id="{D2EF3B1E-4248-8E4F-BBF6-E420A961BC99}"/>
+              </a:ext>
+            </a:extLst>
+          </p:cNvPr>
+          <p:cNvSpPr/>
+          <p:nvPr/>
+        </p:nvSpPr>
+        <p:spPr>
+          <a:xfrm>
+            <a:off x="7013563" y="4099828"/>
+            <a:ext cx="3008261" cy="970010"/>
+          </a:xfrm>
+          <a:prstGeom prst="roundRect">
+            <a:avLst/>
+          </a:prstGeom>
+        </p:spPr>
+        <p:style>
+          <a:lnRef idx="2">
+            <a:schemeClr val="accent1">
+              <a:shade val="50000"/>
+            </a:schemeClr>
+          </a:lnRef>
+          <a:fillRef idx="1">
+            <a:schemeClr val="accent1"/>
+          </a:fillRef>
+          <a:effectRef idx="0">
+            <a:schemeClr val="accent1"/>
+          </a:effectRef>
+          <a:fontRef idx="minor">
+            <a:schemeClr val="lt1"/>
+          </a:fontRef>
+        </p:style>
+        <p:txBody>
+          <a:bodyPr rtlCol="0" anchor="ctr"/>
+          <a:lstStyle>
+            <a:defPPr>
+              <a:defRPr lang="en-US"/>
+            </a:defPPr>
+            <a:lvl1pPr marL="0" algn="l" defTabSz="457200" rtl="0" eaLnBrk="1" latinLnBrk="0" hangingPunct="1">
+              <a:defRPr sz="1800" kern="1200">
+                <a:solidFill>
+                  <a:schemeClr val="lt1"/>
+                </a:solidFill>
+                <a:latin typeface="+mn-lt"/>
+                <a:ea typeface="+mn-ea"/>
+                <a:cs typeface="+mn-cs"/>
+              </a:defRPr>
+            </a:lvl1pPr>
+            <a:lvl2pPr marL="457200" algn="l" defTabSz="457200" rtl="0" eaLnBrk="1" latinLnBrk="0" hangingPunct="1">
+              <a:defRPr sz="1800" kern="1200">
+                <a:solidFill>
+                  <a:schemeClr val="lt1"/>
+                </a:solidFill>
+                <a:latin typeface="+mn-lt"/>
+                <a:ea typeface="+mn-ea"/>
+                <a:cs typeface="+mn-cs"/>
+              </a:defRPr>
+            </a:lvl2pPr>
+            <a:lvl3pPr marL="914400" algn="l" defTabSz="457200" rtl="0" eaLnBrk="1" latinLnBrk="0" hangingPunct="1">
+              <a:defRPr sz="1800" kern="1200">
+                <a:solidFill>
+                  <a:schemeClr val="lt1"/>
+                </a:solidFill>
+                <a:latin typeface="+mn-lt"/>
+                <a:ea typeface="+mn-ea"/>
+                <a:cs typeface="+mn-cs"/>
+              </a:defRPr>
+            </a:lvl3pPr>
+            <a:lvl4pPr marL="1371600" algn="l" defTabSz="457200" rtl="0" eaLnBrk="1" latinLnBrk="0" hangingPunct="1">
+              <a:defRPr sz="1800" kern="1200">
+                <a:solidFill>
+                  <a:schemeClr val="lt1"/>
+                </a:solidFill>
+                <a:latin typeface="+mn-lt"/>
+                <a:ea typeface="+mn-ea"/>
+                <a:cs typeface="+mn-cs"/>
+              </a:defRPr>
+            </a:lvl4pPr>
+            <a:lvl5pPr marL="1828800" algn="l" defTabSz="457200" rtl="0" eaLnBrk="1" latinLnBrk="0" hangingPunct="1">
+              <a:defRPr sz="1800" kern="1200">
+                <a:solidFill>
+                  <a:schemeClr val="lt1"/>
+                </a:solidFill>
+                <a:latin typeface="+mn-lt"/>
+                <a:ea typeface="+mn-ea"/>
+                <a:cs typeface="+mn-cs"/>
+              </a:defRPr>
+            </a:lvl5pPr>
+            <a:lvl6pPr marL="2286000" algn="l" defTabSz="457200" rtl="0" eaLnBrk="1" latinLnBrk="0" hangingPunct="1">
+              <a:defRPr sz="1800" kern="1200">
+                <a:solidFill>
+                  <a:schemeClr val="lt1"/>
+                </a:solidFill>
+                <a:latin typeface="+mn-lt"/>
+                <a:ea typeface="+mn-ea"/>
+                <a:cs typeface="+mn-cs"/>
+              </a:defRPr>
+            </a:lvl6pPr>
+            <a:lvl7pPr marL="2743200" algn="l" defTabSz="457200" rtl="0" eaLnBrk="1" latinLnBrk="0" hangingPunct="1">
+              <a:defRPr sz="1800" kern="1200">
+                <a:solidFill>
+                  <a:schemeClr val="lt1"/>
+                </a:solidFill>
+                <a:latin typeface="+mn-lt"/>
+                <a:ea typeface="+mn-ea"/>
+                <a:cs typeface="+mn-cs"/>
+              </a:defRPr>
+            </a:lvl7pPr>
+            <a:lvl8pPr marL="3200400" algn="l" defTabSz="457200" rtl="0" eaLnBrk="1" latinLnBrk="0" hangingPunct="1">
+              <a:defRPr sz="1800" kern="1200">
+                <a:solidFill>
+                  <a:schemeClr val="lt1"/>
+                </a:solidFill>
+                <a:latin typeface="+mn-lt"/>
+                <a:ea typeface="+mn-ea"/>
+                <a:cs typeface="+mn-cs"/>
+              </a:defRPr>
+            </a:lvl8pPr>
+            <a:lvl9pPr marL="3657600" algn="l" defTabSz="457200" rtl="0" eaLnBrk="1" latinLnBrk="0" hangingPunct="1">
+              <a:defRPr sz="1800" kern="1200">
+                <a:solidFill>
+                  <a:schemeClr val="lt1"/>
+                </a:solidFill>
+                <a:latin typeface="+mn-lt"/>
+                <a:ea typeface="+mn-ea"/>
+                <a:cs typeface="+mn-cs"/>
+              </a:defRPr>
+            </a:lvl9pPr>
+          </a:lstStyle>
+          <a:p>
+            <a:pPr algn="ctr"/>
+            <a:endParaRPr lang="en-US" dirty="0"/>
+          </a:p>
+          <a:p>
+            <a:pPr algn="ctr"/>
+            <a:r>
+              <a:rPr lang="en-US" dirty="0"/>
+              <a:t>In 1968 the MPAA creates a voluntary rating system</a:t>
+            </a:r>
+          </a:p>
+          <a:p>
+            <a:pPr algn="ctr"/>
+            <a:endParaRPr lang="en-US" dirty="0"/>
           </a:p>
         </p:txBody>
       </p:sp>
     </p:spTree>
     <p:extLst>
       <p:ext uri="{BB962C8B-B14F-4D97-AF65-F5344CB8AC3E}">
-        <p14:creationId xmlns:p14="http://schemas.microsoft.com/office/powerpoint/2010/main" val="1255539262"/>
+        <p14:creationId xmlns:p14="http://schemas.microsoft.com/office/powerpoint/2010/main" val="4024693195"/>
       </p:ext>
     </p:extLst>
   </p:cSld>
@@ -13882,7 +14451,7 @@
           <p:cNvPr id="2" name="Title 1">
             <a:extLst>
               <a:ext uri="{FF2B5EF4-FFF2-40B4-BE49-F238E27FC236}">
-                <a16:creationId xmlns:a16="http://schemas.microsoft.com/office/drawing/2014/main" id="{F527DF43-DAC4-354C-A041-5FB7AD460909}"/>
+                <a16:creationId xmlns:a16="http://schemas.microsoft.com/office/drawing/2014/main" id="{AC201405-EEE0-488A-8678-51153E7E7DF1}"/>
               </a:ext>
             </a:extLst>
           </p:cNvPr>
@@ -13893,24 +14462,228 @@
             <p:ph type="title"/>
           </p:nvPr>
         </p:nvSpPr>
-        <p:spPr/>
+        <p:spPr>
+          <a:xfrm>
+            <a:off x="680978" y="222812"/>
+            <a:ext cx="10396882" cy="1151965"/>
+          </a:xfrm>
+        </p:spPr>
         <p:txBody>
           <a:bodyPr/>
           <a:lstStyle/>
           <a:p>
             <a:r>
               <a:rPr lang="en-US" dirty="0"/>
-              <a:t>Improvement ideas</a:t>
-            </a:r>
+              <a:t>REEL CLIPS </a:t>
+            </a:r>
+            <a:r>
+              <a:rPr lang="en-US" sz="3600" dirty="0"/>
+              <a:t>(data visualization)</a:t>
+            </a:r>
+            <a:endParaRPr lang="en-US" dirty="0"/>
           </a:p>
         </p:txBody>
       </p:sp>
-      <p:sp>
-        <p:nvSpPr>
-          <p:cNvPr id="3" name="Content Placeholder 2">
+      <p:pic>
+        <p:nvPicPr>
+          <p:cNvPr id="1026" name="Picture 2" descr="percentBadWordPie.png">
             <a:extLst>
               <a:ext uri="{FF2B5EF4-FFF2-40B4-BE49-F238E27FC236}">
-                <a16:creationId xmlns:a16="http://schemas.microsoft.com/office/drawing/2014/main" id="{CAC75839-1AEE-BB4B-B9B6-E2D7A2720374}"/>
+                <a16:creationId xmlns:a16="http://schemas.microsoft.com/office/drawing/2014/main" id="{68E4D211-BCF2-4173-8F7A-8819A1E52D3F}"/>
+              </a:ext>
+            </a:extLst>
+          </p:cNvPr>
+          <p:cNvPicPr>
+            <a:picLocks noGrp="1" noChangeAspect="1" noChangeArrowheads="1"/>
+          </p:cNvPicPr>
+          <p:nvPr>
+            <p:ph sz="quarter" idx="13"/>
+          </p:nvPr>
+        </p:nvPicPr>
+        <p:blipFill>
+          <a:blip r:embed="rId3">
+            <a:extLst>
+              <a:ext uri="{28A0092B-C50C-407E-A947-70E740481C1C}">
+                <a14:useLocalDpi xmlns:a14="http://schemas.microsoft.com/office/drawing/2010/main" val="0"/>
+              </a:ext>
+            </a:extLst>
+          </a:blip>
+          <a:srcRect/>
+          <a:stretch>
+            <a:fillRect/>
+          </a:stretch>
+        </p:blipFill>
+        <p:spPr bwMode="auto">
+          <a:xfrm>
+            <a:off x="287653" y="1170490"/>
+            <a:ext cx="5808347" cy="4356261"/>
+          </a:xfrm>
+          <a:prstGeom prst="rect">
+            <a:avLst/>
+          </a:prstGeom>
+          <a:noFill/>
+          <a:extLst>
+            <a:ext uri="{909E8E84-426E-40DD-AFC4-6F175D3DCCD1}">
+              <a14:hiddenFill xmlns:a14="http://schemas.microsoft.com/office/drawing/2010/main">
+                <a:solidFill>
+                  <a:srgbClr val="FFFFFF"/>
+                </a:solidFill>
+              </a14:hiddenFill>
+            </a:ext>
+          </a:extLst>
+        </p:spPr>
+      </p:pic>
+      <p:sp>
+        <p:nvSpPr>
+          <p:cNvPr id="4" name="TextBox 3">
+            <a:extLst>
+              <a:ext uri="{FF2B5EF4-FFF2-40B4-BE49-F238E27FC236}">
+                <a16:creationId xmlns:a16="http://schemas.microsoft.com/office/drawing/2014/main" id="{70B12249-F812-407E-934C-6BC1F66E6B09}"/>
+              </a:ext>
+            </a:extLst>
+          </p:cNvPr>
+          <p:cNvSpPr txBox="1"/>
+          <p:nvPr/>
+        </p:nvSpPr>
+        <p:spPr>
+          <a:xfrm>
+            <a:off x="6261904" y="1374777"/>
+            <a:ext cx="5209281" cy="2215991"/>
+          </a:xfrm>
+          <a:prstGeom prst="rect">
+            <a:avLst/>
+          </a:prstGeom>
+          <a:noFill/>
+        </p:spPr>
+        <p:txBody>
+          <a:bodyPr wrap="square" rtlCol="0">
+            <a:spAutoFit/>
+          </a:bodyPr>
+          <a:lstStyle/>
+          <a:p>
+            <a:pPr marL="285750" indent="-285750">
+              <a:buFont typeface="Arial" panose="020B0604020202020204" pitchFamily="34" charset="0"/>
+              <a:buChar char="•"/>
+            </a:pPr>
+            <a:r>
+              <a:rPr lang="en-US" sz="2400" dirty="0"/>
+              <a:t>S#!T , </a:t>
+            </a:r>
+            <a:r>
+              <a:rPr lang="en-US" sz="2400" dirty="0" err="1"/>
+              <a:t>F@ck</a:t>
+            </a:r>
+            <a:r>
+              <a:rPr lang="en-US" sz="2400" dirty="0"/>
+              <a:t> and @ss are the 3 most common bad words used in Movies </a:t>
+            </a:r>
+          </a:p>
+          <a:p>
+            <a:endParaRPr lang="en-US" sz="2400" dirty="0"/>
+          </a:p>
+          <a:p>
+            <a:r>
+              <a:rPr lang="en-US" sz="2400" dirty="0"/>
+              <a:t>(There are more </a:t>
+            </a:r>
+            <a:r>
+              <a:rPr lang="en-US" sz="2400" dirty="0" err="1"/>
+              <a:t>d!cks</a:t>
+            </a:r>
+            <a:r>
+              <a:rPr lang="en-US" sz="2400" dirty="0"/>
+              <a:t> in Movies than there are p*</a:t>
+            </a:r>
+            <a:r>
+              <a:rPr lang="en-US" sz="2400" dirty="0" err="1"/>
+              <a:t>ssy’s</a:t>
+            </a:r>
+            <a:r>
+              <a:rPr lang="en-US" sz="2400" dirty="0"/>
+              <a:t>)  </a:t>
+            </a:r>
+            <a:endParaRPr lang="en-US" dirty="0"/>
+          </a:p>
+          <a:p>
+            <a:r>
+              <a:rPr lang="en-US" dirty="0"/>
+              <a:t> </a:t>
+            </a:r>
+          </a:p>
+        </p:txBody>
+      </p:sp>
+      <p:pic>
+        <p:nvPicPr>
+          <p:cNvPr id="6" name="Picture 5">
+            <a:extLst>
+              <a:ext uri="{FF2B5EF4-FFF2-40B4-BE49-F238E27FC236}">
+                <a16:creationId xmlns:a16="http://schemas.microsoft.com/office/drawing/2014/main" id="{9879942E-E404-4715-A04E-DB3F0536E250}"/>
+              </a:ext>
+            </a:extLst>
+          </p:cNvPr>
+          <p:cNvPicPr>
+            <a:picLocks noChangeAspect="1"/>
+          </p:cNvPicPr>
+          <p:nvPr/>
+        </p:nvPicPr>
+        <p:blipFill>
+          <a:blip r:embed="rId4">
+            <a:extLst>
+              <a:ext uri="{837473B0-CC2E-450A-ABE3-18F120FF3D39}">
+                <a1611:picAttrSrcUrl xmlns:a1611="http://schemas.microsoft.com/office/drawing/2016/11/main" r:id="rId5"/>
+              </a:ext>
+            </a:extLst>
+          </a:blip>
+          <a:stretch>
+            <a:fillRect/>
+          </a:stretch>
+        </p:blipFill>
+        <p:spPr>
+          <a:xfrm>
+            <a:off x="8924081" y="3018278"/>
+            <a:ext cx="2025570" cy="2373715"/>
+          </a:xfrm>
+          <a:prstGeom prst="rect">
+            <a:avLst/>
+          </a:prstGeom>
+        </p:spPr>
+      </p:pic>
+    </p:spTree>
+    <p:extLst>
+      <p:ext uri="{BB962C8B-B14F-4D97-AF65-F5344CB8AC3E}">
+        <p14:creationId xmlns:p14="http://schemas.microsoft.com/office/powerpoint/2010/main" val="4232522694"/>
+      </p:ext>
+    </p:extLst>
+  </p:cSld>
+  <p:clrMapOvr>
+    <a:masterClrMapping/>
+  </p:clrMapOvr>
+</p:sld>
+</file>
+
+<file path=ppt/slides/slide9.xml><?xml version="1.0" encoding="utf-8"?>
+<p:sld xmlns:a="http://schemas.openxmlformats.org/drawingml/2006/main" xmlns:r="http://schemas.openxmlformats.org/officeDocument/2006/relationships" xmlns:p="http://schemas.openxmlformats.org/presentationml/2006/main">
+  <p:cSld>
+    <p:spTree>
+      <p:nvGrpSpPr>
+        <p:cNvPr id="1" name=""/>
+        <p:cNvGrpSpPr/>
+        <p:nvPr/>
+      </p:nvGrpSpPr>
+      <p:grpSpPr>
+        <a:xfrm>
+          <a:off x="0" y="0"/>
+          <a:ext cx="0" cy="0"/>
+          <a:chOff x="0" y="0"/>
+          <a:chExt cx="0" cy="0"/>
+        </a:xfrm>
+      </p:grpSpPr>
+      <p:sp>
+        <p:nvSpPr>
+          <p:cNvPr id="2" name="Title 1">
+            <a:extLst>
+              <a:ext uri="{FF2B5EF4-FFF2-40B4-BE49-F238E27FC236}">
+                <a16:creationId xmlns:a16="http://schemas.microsoft.com/office/drawing/2014/main" id="{AF4072F4-4F29-F046-92E8-EC682B64C411}"/>
               </a:ext>
             </a:extLst>
           </p:cNvPr>
@@ -13918,45 +14691,81 @@
             <a:spLocks noGrp="1"/>
           </p:cNvSpPr>
           <p:nvPr>
-            <p:ph sz="quarter" idx="13"/>
+            <p:ph type="title"/>
           </p:nvPr>
         </p:nvSpPr>
         <p:spPr/>
         <p:txBody>
-          <a:bodyPr>
-            <a:normAutofit/>
-          </a:bodyPr>
+          <a:bodyPr/>
           <a:lstStyle/>
           <a:p>
             <a:r>
+              <a:rPr lang="en-US" dirty="0"/>
+              <a:t>FINALE! </a:t>
+            </a:r>
+            <a:r>
+              <a:rPr lang="en-US" sz="3600" dirty="0"/>
+              <a:t>(conclusion)</a:t>
+            </a:r>
+            <a:endParaRPr lang="en-US" dirty="0"/>
+          </a:p>
+        </p:txBody>
+      </p:sp>
+      <p:sp>
+        <p:nvSpPr>
+          <p:cNvPr id="3" name="Content Placeholder 2">
+            <a:extLst>
+              <a:ext uri="{FF2B5EF4-FFF2-40B4-BE49-F238E27FC236}">
+                <a16:creationId xmlns:a16="http://schemas.microsoft.com/office/drawing/2014/main" id="{64312AC0-C501-304C-AF87-08BE1B67E778}"/>
+              </a:ext>
+            </a:extLst>
+          </p:cNvPr>
+          <p:cNvSpPr>
+            <a:spLocks noGrp="1"/>
+          </p:cNvSpPr>
+          <p:nvPr>
+            <p:ph sz="quarter" idx="13"/>
+          </p:nvPr>
+        </p:nvSpPr>
+        <p:spPr/>
+        <p:txBody>
+          <a:bodyPr/>
+          <a:lstStyle/>
+          <a:p>
+            <a:r>
               <a:rPr lang="en-US" sz="2800" dirty="0"/>
-              <a:t>Scrape multiple review websites for more robust data</a:t>
+              <a:t>Films with higher ratings tend to have between 0-50 bad words</a:t>
+            </a:r>
+          </a:p>
+          <a:p>
+            <a:pPr lvl="1"/>
+            <a:r>
+              <a:rPr lang="en-US" sz="2400" dirty="0"/>
+              <a:t>This implies that there is a threshold for the amount of bad words that audiences will tolerate</a:t>
             </a:r>
           </a:p>
           <a:p>
             <a:r>
               <a:rPr lang="en-US" sz="2800" dirty="0"/>
-              <a:t>Compare the data by movie genre</a:t>
-            </a:r>
-          </a:p>
-          <a:p>
-            <a:r>
-              <a:rPr lang="en-US" sz="2800" dirty="0"/>
-              <a:t>Weight the words – not all words are equal</a:t>
-            </a:r>
-          </a:p>
-          <a:p>
-            <a:r>
-              <a:rPr lang="en-US" sz="2800" dirty="0"/>
-              <a:t>Add in more contextual cues</a:t>
-            </a:r>
+              <a:t>There has also been a trend to more bad words in films since 1968</a:t>
+            </a:r>
+          </a:p>
+          <a:p>
+            <a:pPr lvl="1"/>
+            <a:r>
+              <a:rPr lang="en-US" sz="2400" dirty="0"/>
+              <a:t>The amount has leveled off since the 2000s</a:t>
+            </a:r>
+          </a:p>
+          <a:p>
+            <a:endParaRPr lang="en-US" dirty="0"/>
           </a:p>
         </p:txBody>
       </p:sp>
     </p:spTree>
     <p:extLst>
       <p:ext uri="{BB962C8B-B14F-4D97-AF65-F5344CB8AC3E}">
-        <p14:creationId xmlns:p14="http://schemas.microsoft.com/office/powerpoint/2010/main" val="242232729"/>
+        <p14:creationId xmlns:p14="http://schemas.microsoft.com/office/powerpoint/2010/main" val="1255539262"/>
       </p:ext>
     </p:extLst>
   </p:cSld>
